--- a/Javascript/Class 02/JS class 02.pptx
+++ b/Javascript/Class 02/JS class 02.pptx
@@ -5,7 +5,7 @@
     <p:sldMasterId id="2147483877" r:id="rId4"/>
   </p:sldMasterIdLst>
   <p:notesMasterIdLst>
-    <p:notesMasterId r:id="rId17"/>
+    <p:notesMasterId r:id="rId18"/>
   </p:notesMasterIdLst>
   <p:sldIdLst>
     <p:sldId id="275" r:id="rId5"/>
@@ -20,6 +20,7 @@
     <p:sldId id="299" r:id="rId14"/>
     <p:sldId id="300" r:id="rId15"/>
     <p:sldId id="294" r:id="rId16"/>
+    <p:sldId id="301" r:id="rId17"/>
   </p:sldIdLst>
   <p:sldSz cx="12192000" cy="6858000"/>
   <p:notesSz cx="9144000" cy="6858000"/>
@@ -208,7 +209,7 @@
           <a:p>
             <a:fld id="{EDE0A0D5-8F98-4CC1-A28E-021F0B6B475C}" type="datetimeFigureOut">
               <a:rPr lang="en-US" smtClean="0"/>
-              <a:t>1/31/2023</a:t>
+              <a:t>2/5/2023</a:t>
             </a:fld>
             <a:endParaRPr lang="en-US" dirty="0"/>
           </a:p>
@@ -663,7 +664,7 @@
           <a:p>
             <a:fld id="{3A750590-9F9A-443B-9295-A3931D8194B1}" type="datetime1">
               <a:rPr lang="en-US" smtClean="0"/>
-              <a:t>1/31/2023</a:t>
+              <a:t>2/5/2023</a:t>
             </a:fld>
             <a:endParaRPr lang="en-US" dirty="0"/>
           </a:p>
@@ -1001,7 +1002,7 @@
           <a:p>
             <a:fld id="{D9359126-4846-4E88-BDD9-5585CC877E47}" type="datetime1">
               <a:rPr lang="en-US" smtClean="0"/>
-              <a:t>1/31/2023</a:t>
+              <a:t>2/5/2023</a:t>
             </a:fld>
             <a:endParaRPr lang="en-US" dirty="0"/>
           </a:p>
@@ -1404,7 +1405,7 @@
           <a:p>
             <a:fld id="{D9359126-4846-4E88-BDD9-5585CC877E47}" type="datetime1">
               <a:rPr lang="en-US" smtClean="0"/>
-              <a:t>1/31/2023</a:t>
+              <a:t>2/5/2023</a:t>
             </a:fld>
             <a:endParaRPr lang="en-US" dirty="0"/>
           </a:p>
@@ -1742,7 +1743,7 @@
           <a:p>
             <a:fld id="{D9359126-4846-4E88-BDD9-5585CC877E47}" type="datetime1">
               <a:rPr lang="en-US" smtClean="0"/>
-              <a:t>1/31/2023</a:t>
+              <a:t>2/5/2023</a:t>
             </a:fld>
             <a:endParaRPr lang="en-US" dirty="0"/>
           </a:p>
@@ -2064,7 +2065,7 @@
           <a:p>
             <a:fld id="{D9359126-4846-4E88-BDD9-5585CC877E47}" type="datetime1">
               <a:rPr lang="en-US" smtClean="0"/>
-              <a:t>1/31/2023</a:t>
+              <a:t>2/5/2023</a:t>
             </a:fld>
             <a:endParaRPr lang="en-US" dirty="0"/>
           </a:p>
@@ -2462,7 +2463,7 @@
           <a:p>
             <a:fld id="{D9359126-4846-4E88-BDD9-5585CC877E47}" type="datetime1">
               <a:rPr lang="en-US" smtClean="0"/>
-              <a:t>1/31/2023</a:t>
+              <a:t>2/5/2023</a:t>
             </a:fld>
             <a:endParaRPr lang="en-US" dirty="0"/>
           </a:p>
@@ -2721,7 +2722,7 @@
           <a:p>
             <a:fld id="{1F96F347-1B2F-4097-AEB5-4A26FB45D67A}" type="datetime1">
               <a:rPr lang="en-US" smtClean="0"/>
-              <a:t>1/31/2023</a:t>
+              <a:t>2/5/2023</a:t>
             </a:fld>
             <a:endParaRPr lang="en-US" dirty="0"/>
           </a:p>
@@ -2983,7 +2984,7 @@
           <a:p>
             <a:fld id="{8CC1DEE0-34E5-4E0F-BEC1-4B8835F82CD1}" type="datetime1">
               <a:rPr lang="en-US" smtClean="0"/>
-              <a:t>1/31/2023</a:t>
+              <a:t>2/5/2023</a:t>
             </a:fld>
             <a:endParaRPr lang="en-US" dirty="0"/>
           </a:p>
@@ -3245,7 +3246,7 @@
           <a:p>
             <a:fld id="{3B75B4BE-627A-4EC1-99E1-6F1AA97AB802}" type="datetime1">
               <a:rPr lang="en-US" smtClean="0"/>
-              <a:t>1/31/2023</a:t>
+              <a:t>2/5/2023</a:t>
             </a:fld>
             <a:endParaRPr lang="en-US" dirty="0"/>
           </a:p>
@@ -3574,7 +3575,7 @@
           <a:p>
             <a:fld id="{78BFACF8-E63D-4673-A128-83547867BB7A}" type="datetime1">
               <a:rPr lang="en-US" smtClean="0"/>
-              <a:t>1/31/2023</a:t>
+              <a:t>2/5/2023</a:t>
             </a:fld>
             <a:endParaRPr lang="en-US" dirty="0"/>
           </a:p>
@@ -3897,7 +3898,7 @@
           <a:p>
             <a:fld id="{15BED6AC-4FBA-40BD-BE75-20DB64DA4BAD}" type="datetime1">
               <a:rPr lang="en-US" smtClean="0"/>
-              <a:t>1/31/2023</a:t>
+              <a:t>2/5/2023</a:t>
             </a:fld>
             <a:endParaRPr lang="en-US" dirty="0"/>
           </a:p>
@@ -4354,7 +4355,7 @@
           <a:p>
             <a:fld id="{3F933C87-D201-458A-93C0-8EDD9AC92D93}" type="datetime1">
               <a:rPr lang="en-US" smtClean="0"/>
-              <a:t>1/31/2023</a:t>
+              <a:t>2/5/2023</a:t>
             </a:fld>
             <a:endParaRPr lang="en-US" dirty="0"/>
           </a:p>
@@ -4559,7 +4560,7 @@
           <a:p>
             <a:fld id="{76CE6829-5A25-485A-91B1-5D6D58BB9F23}" type="datetime1">
               <a:rPr lang="en-US" smtClean="0"/>
-              <a:t>1/31/2023</a:t>
+              <a:t>2/5/2023</a:t>
             </a:fld>
             <a:endParaRPr lang="en-US" dirty="0"/>
           </a:p>
@@ -4736,7 +4737,7 @@
           <a:p>
             <a:fld id="{9912F5CD-23D0-4DD1-85B1-71F1825FB3EC}" type="datetime1">
               <a:rPr lang="en-US" smtClean="0"/>
-              <a:t>1/31/2023</a:t>
+              <a:t>2/5/2023</a:t>
             </a:fld>
             <a:endParaRPr lang="en-US" dirty="0"/>
           </a:p>
@@ -5069,7 +5070,7 @@
           <a:p>
             <a:fld id="{38BA5035-C284-496A-B076-BA73A8FA5D8B}" type="datetime1">
               <a:rPr lang="en-US" smtClean="0"/>
-              <a:t>1/31/2023</a:t>
+              <a:t>2/5/2023</a:t>
             </a:fld>
             <a:endParaRPr lang="en-US" dirty="0"/>
           </a:p>
@@ -5414,7 +5415,7 @@
           <a:p>
             <a:fld id="{B40EB420-1875-490A-8C4B-7AAB939FBE08}" type="datetime1">
               <a:rPr lang="en-US" smtClean="0"/>
-              <a:t>1/31/2023</a:t>
+              <a:t>2/5/2023</a:t>
             </a:fld>
             <a:endParaRPr lang="en-US" dirty="0"/>
           </a:p>
@@ -7531,7 +7532,7 @@
           <a:p>
             <a:fld id="{D9359126-4846-4E88-BDD9-5585CC877E47}" type="datetime1">
               <a:rPr lang="en-US" smtClean="0"/>
-              <a:t>1/31/2023</a:t>
+              <a:t>2/5/2023</a:t>
             </a:fld>
             <a:endParaRPr lang="en-US" dirty="0"/>
           </a:p>
@@ -8858,6 +8859,140 @@
 </p:sld>
 </file>
 
+<file path=ppt/slides/slide13.xml><?xml version="1.0" encoding="utf-8"?>
+<p:sld xmlns:a="http://schemas.openxmlformats.org/drawingml/2006/main" xmlns:r="http://schemas.openxmlformats.org/officeDocument/2006/relationships" xmlns:p="http://schemas.openxmlformats.org/presentationml/2006/main">
+  <p:cSld>
+    <p:spTree>
+      <p:nvGrpSpPr>
+        <p:cNvPr id="1" name=""/>
+        <p:cNvGrpSpPr/>
+        <p:nvPr/>
+      </p:nvGrpSpPr>
+      <p:grpSpPr>
+        <a:xfrm>
+          <a:off x="0" y="0"/>
+          <a:ext cx="0" cy="0"/>
+          <a:chOff x="0" y="0"/>
+          <a:chExt cx="0" cy="0"/>
+        </a:xfrm>
+      </p:grpSpPr>
+      <p:sp>
+        <p:nvSpPr>
+          <p:cNvPr id="2" name="Title 1"/>
+          <p:cNvSpPr>
+            <a:spLocks noGrp="1"/>
+          </p:cNvSpPr>
+          <p:nvPr>
+            <p:ph type="title"/>
+          </p:nvPr>
+        </p:nvSpPr>
+        <p:spPr>
+          <a:xfrm>
+            <a:off x="2293986" y="1960540"/>
+            <a:ext cx="8911687" cy="1280890"/>
+          </a:xfrm>
+        </p:spPr>
+        <p:txBody>
+          <a:bodyPr/>
+          <a:lstStyle/>
+          <a:p>
+            <a:pPr algn="ctr"/>
+            <a:r>
+              <a:rPr lang="en-US" dirty="0" smtClean="0"/>
+              <a:t>Thanks!</a:t>
+            </a:r>
+            <a:endParaRPr lang="en-US" dirty="0"/>
+          </a:p>
+        </p:txBody>
+      </p:sp>
+      <p:sp>
+        <p:nvSpPr>
+          <p:cNvPr id="3" name="Content Placeholder 2"/>
+          <p:cNvSpPr>
+            <a:spLocks noGrp="1"/>
+          </p:cNvSpPr>
+          <p:nvPr>
+            <p:ph idx="1"/>
+          </p:nvPr>
+        </p:nvSpPr>
+        <p:spPr>
+          <a:xfrm>
+            <a:off x="2293986" y="3080378"/>
+            <a:ext cx="8915400" cy="3777622"/>
+          </a:xfrm>
+        </p:spPr>
+        <p:txBody>
+          <a:bodyPr/>
+          <a:lstStyle/>
+          <a:p>
+            <a:pPr marL="0" indent="0" algn="ctr">
+              <a:buNone/>
+            </a:pPr>
+            <a:r>
+              <a:rPr lang="en-US" dirty="0"/>
+              <a:t>Do you have any questions?</a:t>
+            </a:r>
+            <a:endParaRPr lang="en-US" dirty="0"/>
+          </a:p>
+          <a:p>
+            <a:pPr marL="0" indent="0" algn="ctr">
+              <a:buNone/>
+            </a:pPr>
+            <a:r>
+              <a:rPr lang="en-US" dirty="0" smtClean="0"/>
+              <a:t>umairazmat8115@gmail.com</a:t>
+            </a:r>
+            <a:endParaRPr lang="en-US" dirty="0"/>
+          </a:p>
+          <a:p>
+            <a:pPr marL="0" indent="0" algn="ctr">
+              <a:buNone/>
+            </a:pPr>
+            <a:endParaRPr lang="en-US" dirty="0" smtClean="0"/>
+          </a:p>
+          <a:p>
+            <a:pPr marL="0" indent="0" algn="ctr">
+              <a:buNone/>
+            </a:pPr>
+            <a:r>
+              <a:rPr lang="en-US" dirty="0" smtClean="0"/>
+              <a:t>+923217061116</a:t>
+            </a:r>
+            <a:r>
+              <a:rPr lang="en-US" dirty="0"/>
+              <a:t/>
+            </a:r>
+            <a:br>
+              <a:rPr lang="en-US" dirty="0"/>
+            </a:br>
+            <a:r>
+              <a:rPr lang="en-US" dirty="0" smtClean="0"/>
+              <a:t>umairazmat.me</a:t>
+            </a:r>
+            <a:r>
+              <a:rPr lang="en-US" dirty="0"/>
+              <a:t/>
+            </a:r>
+            <a:br>
+              <a:rPr lang="en-US" dirty="0"/>
+            </a:br>
+            <a:endParaRPr lang="en-US" dirty="0"/>
+          </a:p>
+        </p:txBody>
+      </p:sp>
+    </p:spTree>
+    <p:extLst>
+      <p:ext uri="{BB962C8B-B14F-4D97-AF65-F5344CB8AC3E}">
+        <p14:creationId xmlns:p14="http://schemas.microsoft.com/office/powerpoint/2010/main" val="922698781"/>
+      </p:ext>
+    </p:extLst>
+  </p:cSld>
+  <p:clrMapOvr>
+    <a:masterClrMapping/>
+  </p:clrMapOvr>
+</p:sld>
+</file>
+
 <file path=ppt/slides/slide2.xml><?xml version="1.0" encoding="utf-8"?>
 <p:sld xmlns:a="http://schemas.openxmlformats.org/drawingml/2006/main" xmlns:r="http://schemas.openxmlformats.org/officeDocument/2006/relationships" xmlns:p="http://schemas.openxmlformats.org/presentationml/2006/main">
   <p:cSld>
@@ -9072,15 +9207,7 @@
                   <a:srgbClr val="FF0000"/>
                 </a:solidFill>
               </a:rPr>
-              <a:t>Case-Sensitive</a:t>
-            </a:r>
-            <a:r>
-              <a:rPr lang="en-US" b="1" dirty="0" smtClean="0">
-                <a:solidFill>
-                  <a:srgbClr val="FF0000"/>
-                </a:solidFill>
-              </a:rPr>
-              <a:t>. (Ahmed vs </a:t>
+              <a:t>Case-Sensitive. (Ahmed vs </a:t>
             </a:r>
             <a:r>
               <a:rPr lang="en-US" b="1" dirty="0" err="1" smtClean="0">
@@ -9254,11 +9381,6 @@
               </a:rPr>
               <a:t>.”</a:t>
             </a:r>
-            <a:endParaRPr lang="en-US" b="1" dirty="0" smtClean="0">
-              <a:solidFill>
-                <a:srgbClr val="FF0000"/>
-              </a:solidFill>
-            </a:endParaRPr>
           </a:p>
           <a:p>
             <a:pPr>
@@ -12343,6 +12465,23 @@
 </file>
 
 <file path=customXml/item1.xml><?xml version="1.0" encoding="utf-8"?>
+<?mso-contentType ?>
+<FormTemplates xmlns="http://schemas.microsoft.com/sharepoint/v3/contenttype/forms">
+  <Display>DocumentLibraryForm</Display>
+  <Edit>DocumentLibraryForm</Edit>
+  <New>DocumentLibraryForm</New>
+</FormTemplates>
+</file>
+
+<file path=customXml/item2.xml><?xml version="1.0" encoding="utf-8"?>
+<p:properties xmlns:p="http://schemas.microsoft.com/office/2006/metadata/properties" xmlns:xsi="http://www.w3.org/2001/XMLSchema-instance" xmlns:pc="http://schemas.microsoft.com/office/infopath/2007/PartnerControls">
+  <documentManagement>
+    <MediaServiceKeyPoints xmlns="71af3243-3dd4-4a8d-8c0d-dd76da1f02a5" xsi:nil="true"/>
+  </documentManagement>
+</p:properties>
+</file>
+
+<file path=customXml/item3.xml><?xml version="1.0" encoding="utf-8"?>
 <ct:contentTypeSchema xmlns:ct="http://schemas.microsoft.com/office/2006/metadata/contentType" xmlns:ma="http://schemas.microsoft.com/office/2006/metadata/properties/metaAttributes" ct:_="" ma:_="" ma:contentTypeName="Document" ma:contentTypeID="0x01010079F111ED35F8CC479449609E8A0923A6" ma:contentTypeVersion="11" ma:contentTypeDescription="Create a new document." ma:contentTypeScope="" ma:versionID="9677210f24a1be23c92c90fd886aa0aa">
   <xsd:schema xmlns:xsd="http://www.w3.org/2001/XMLSchema" xmlns:xs="http://www.w3.org/2001/XMLSchema" xmlns:p="http://schemas.microsoft.com/office/2006/metadata/properties" xmlns:ns2="71af3243-3dd4-4a8d-8c0d-dd76da1f02a5" xmlns:ns3="16c05727-aa75-4e4a-9b5f-8a80a1165891" targetNamespace="http://schemas.microsoft.com/office/2006/metadata/properties" ma:root="true" ma:fieldsID="60e05723c5c1908df1a1a4ebf11d344e" ns2:_="" ns3:_="">
     <xsd:import namespace="71af3243-3dd4-4a8d-8c0d-dd76da1f02a5"/>
@@ -12553,38 +12692,10 @@
 </ct:contentTypeSchema>
 </file>
 
-<file path=customXml/item2.xml><?xml version="1.0" encoding="utf-8"?>
-<p:properties xmlns:p="http://schemas.microsoft.com/office/2006/metadata/properties" xmlns:xsi="http://www.w3.org/2001/XMLSchema-instance" xmlns:pc="http://schemas.microsoft.com/office/infopath/2007/PartnerControls">
-  <documentManagement>
-    <MediaServiceKeyPoints xmlns="71af3243-3dd4-4a8d-8c0d-dd76da1f02a5" xsi:nil="true"/>
-  </documentManagement>
-</p:properties>
-</file>
-
-<file path=customXml/item3.xml><?xml version="1.0" encoding="utf-8"?>
-<?mso-contentType ?>
-<FormTemplates xmlns="http://schemas.microsoft.com/sharepoint/v3/contenttype/forms">
-  <Display>DocumentLibraryForm</Display>
-  <Edit>DocumentLibraryForm</Edit>
-  <New>DocumentLibraryForm</New>
-</FormTemplates>
-</file>
-
 <file path=customXml/itemProps1.xml><?xml version="1.0" encoding="utf-8"?>
-<ds:datastoreItem xmlns:ds="http://schemas.openxmlformats.org/officeDocument/2006/customXml" ds:itemID="{AB96CC85-5758-41C0-8EFD-737AFB69121D}">
+<ds:datastoreItem xmlns:ds="http://schemas.openxmlformats.org/officeDocument/2006/customXml" ds:itemID="{10BEB954-4024-4CCF-A9D6-4C00FDC028D9}">
   <ds:schemaRefs>
-    <ds:schemaRef ds:uri="http://schemas.microsoft.com/office/2006/metadata/contentType"/>
-    <ds:schemaRef ds:uri="http://schemas.microsoft.com/office/2006/metadata/properties/metaAttributes"/>
-    <ds:schemaRef ds:uri="http://www.w3.org/2001/XMLSchema"/>
-    <ds:schemaRef ds:uri="http://schemas.microsoft.com/office/2006/metadata/properties"/>
-    <ds:schemaRef ds:uri="71af3243-3dd4-4a8d-8c0d-dd76da1f02a5"/>
-    <ds:schemaRef ds:uri="16c05727-aa75-4e4a-9b5f-8a80a1165891"/>
-    <ds:schemaRef ds:uri="http://schemas.microsoft.com/office/2006/documentManagement/types"/>
-    <ds:schemaRef ds:uri="http://schemas.microsoft.com/office/infopath/2007/PartnerControls"/>
-    <ds:schemaRef ds:uri="http://schemas.openxmlformats.org/package/2006/metadata/core-properties"/>
-    <ds:schemaRef ds:uri="http://purl.org/dc/elements/1.1/"/>
-    <ds:schemaRef ds:uri="http://purl.org/dc/terms/"/>
-    <ds:schemaRef ds:uri="http://schemas.microsoft.com/internal/obd"/>
+    <ds:schemaRef ds:uri="http://schemas.microsoft.com/sharepoint/v3/contenttype/forms"/>
   </ds:schemaRefs>
 </ds:datastoreItem>
 </file>
@@ -12607,9 +12718,20 @@
 </file>
 
 <file path=customXml/itemProps3.xml><?xml version="1.0" encoding="utf-8"?>
-<ds:datastoreItem xmlns:ds="http://schemas.openxmlformats.org/officeDocument/2006/customXml" ds:itemID="{10BEB954-4024-4CCF-A9D6-4C00FDC028D9}">
+<ds:datastoreItem xmlns:ds="http://schemas.openxmlformats.org/officeDocument/2006/customXml" ds:itemID="{AB96CC85-5758-41C0-8EFD-737AFB69121D}">
   <ds:schemaRefs>
-    <ds:schemaRef ds:uri="http://schemas.microsoft.com/sharepoint/v3/contenttype/forms"/>
+    <ds:schemaRef ds:uri="http://schemas.microsoft.com/office/2006/metadata/contentType"/>
+    <ds:schemaRef ds:uri="http://schemas.microsoft.com/office/2006/metadata/properties/metaAttributes"/>
+    <ds:schemaRef ds:uri="http://www.w3.org/2001/XMLSchema"/>
+    <ds:schemaRef ds:uri="http://schemas.microsoft.com/office/2006/metadata/properties"/>
+    <ds:schemaRef ds:uri="71af3243-3dd4-4a8d-8c0d-dd76da1f02a5"/>
+    <ds:schemaRef ds:uri="16c05727-aa75-4e4a-9b5f-8a80a1165891"/>
+    <ds:schemaRef ds:uri="http://schemas.microsoft.com/office/2006/documentManagement/types"/>
+    <ds:schemaRef ds:uri="http://schemas.microsoft.com/office/infopath/2007/PartnerControls"/>
+    <ds:schemaRef ds:uri="http://schemas.openxmlformats.org/package/2006/metadata/core-properties"/>
+    <ds:schemaRef ds:uri="http://purl.org/dc/elements/1.1/"/>
+    <ds:schemaRef ds:uri="http://purl.org/dc/terms/"/>
+    <ds:schemaRef ds:uri="http://schemas.microsoft.com/internal/obd"/>
   </ds:schemaRefs>
 </ds:datastoreItem>
 </file>